--- a/openGL_start/fighters/firzen/asdf.pptx
+++ b/openGL_start/fighters/firzen/asdf.pptx
@@ -104,6 +104,11 @@
       </a:defRPr>
     </a:lvl9pPr>
   </p:defaultTextStyle>
+  <p:extLst>
+    <p:ext uri="{EFAFB233-063F-42B5-8137-9DF3F51BA10A}">
+      <p15:sldGuideLst xmlns:p15="http://schemas.microsoft.com/office/powerpoint/2012/main"/>
+    </p:ext>
+  </p:extLst>
 </p:presentation>
 </file>
 
@@ -238,7 +243,7 @@
           <a:p>
             <a:fld id="{4D888BDA-2C2F-47CD-9BF2-F97575E15C57}" type="datetimeFigureOut">
               <a:rPr lang="zh-TW" altLang="en-US" smtClean="0"/>
-              <a:t>2018/12/31</a:t>
+              <a:t>2019/1/4</a:t>
             </a:fld>
             <a:endParaRPr lang="zh-TW" altLang="en-US"/>
           </a:p>
@@ -408,7 +413,7 @@
           <a:p>
             <a:fld id="{4D888BDA-2C2F-47CD-9BF2-F97575E15C57}" type="datetimeFigureOut">
               <a:rPr lang="zh-TW" altLang="en-US" smtClean="0"/>
-              <a:t>2018/12/31</a:t>
+              <a:t>2019/1/4</a:t>
             </a:fld>
             <a:endParaRPr lang="zh-TW" altLang="en-US"/>
           </a:p>
@@ -588,7 +593,7 @@
           <a:p>
             <a:fld id="{4D888BDA-2C2F-47CD-9BF2-F97575E15C57}" type="datetimeFigureOut">
               <a:rPr lang="zh-TW" altLang="en-US" smtClean="0"/>
-              <a:t>2018/12/31</a:t>
+              <a:t>2019/1/4</a:t>
             </a:fld>
             <a:endParaRPr lang="zh-TW" altLang="en-US"/>
           </a:p>
@@ -758,7 +763,7 @@
           <a:p>
             <a:fld id="{4D888BDA-2C2F-47CD-9BF2-F97575E15C57}" type="datetimeFigureOut">
               <a:rPr lang="zh-TW" altLang="en-US" smtClean="0"/>
-              <a:t>2018/12/31</a:t>
+              <a:t>2019/1/4</a:t>
             </a:fld>
             <a:endParaRPr lang="zh-TW" altLang="en-US"/>
           </a:p>
@@ -1004,7 +1009,7 @@
           <a:p>
             <a:fld id="{4D888BDA-2C2F-47CD-9BF2-F97575E15C57}" type="datetimeFigureOut">
               <a:rPr lang="zh-TW" altLang="en-US" smtClean="0"/>
-              <a:t>2018/12/31</a:t>
+              <a:t>2019/1/4</a:t>
             </a:fld>
             <a:endParaRPr lang="zh-TW" altLang="en-US"/>
           </a:p>
@@ -1236,7 +1241,7 @@
           <a:p>
             <a:fld id="{4D888BDA-2C2F-47CD-9BF2-F97575E15C57}" type="datetimeFigureOut">
               <a:rPr lang="zh-TW" altLang="en-US" smtClean="0"/>
-              <a:t>2018/12/31</a:t>
+              <a:t>2019/1/4</a:t>
             </a:fld>
             <a:endParaRPr lang="zh-TW" altLang="en-US"/>
           </a:p>
@@ -1603,7 +1608,7 @@
           <a:p>
             <a:fld id="{4D888BDA-2C2F-47CD-9BF2-F97575E15C57}" type="datetimeFigureOut">
               <a:rPr lang="zh-TW" altLang="en-US" smtClean="0"/>
-              <a:t>2018/12/31</a:t>
+              <a:t>2019/1/4</a:t>
             </a:fld>
             <a:endParaRPr lang="zh-TW" altLang="en-US"/>
           </a:p>
@@ -1721,7 +1726,7 @@
           <a:p>
             <a:fld id="{4D888BDA-2C2F-47CD-9BF2-F97575E15C57}" type="datetimeFigureOut">
               <a:rPr lang="zh-TW" altLang="en-US" smtClean="0"/>
-              <a:t>2018/12/31</a:t>
+              <a:t>2019/1/4</a:t>
             </a:fld>
             <a:endParaRPr lang="zh-TW" altLang="en-US"/>
           </a:p>
@@ -1816,7 +1821,7 @@
           <a:p>
             <a:fld id="{4D888BDA-2C2F-47CD-9BF2-F97575E15C57}" type="datetimeFigureOut">
               <a:rPr lang="zh-TW" altLang="en-US" smtClean="0"/>
-              <a:t>2018/12/31</a:t>
+              <a:t>2019/1/4</a:t>
             </a:fld>
             <a:endParaRPr lang="zh-TW" altLang="en-US"/>
           </a:p>
@@ -2093,7 +2098,7 @@
           <a:p>
             <a:fld id="{4D888BDA-2C2F-47CD-9BF2-F97575E15C57}" type="datetimeFigureOut">
               <a:rPr lang="zh-TW" altLang="en-US" smtClean="0"/>
-              <a:t>2018/12/31</a:t>
+              <a:t>2019/1/4</a:t>
             </a:fld>
             <a:endParaRPr lang="zh-TW" altLang="en-US"/>
           </a:p>
@@ -2346,7 +2351,7 @@
           <a:p>
             <a:fld id="{4D888BDA-2C2F-47CD-9BF2-F97575E15C57}" type="datetimeFigureOut">
               <a:rPr lang="zh-TW" altLang="en-US" smtClean="0"/>
-              <a:t>2018/12/31</a:t>
+              <a:t>2019/1/4</a:t>
             </a:fld>
             <a:endParaRPr lang="zh-TW" altLang="en-US"/>
           </a:p>
@@ -2559,7 +2564,7 @@
           <a:p>
             <a:fld id="{4D888BDA-2C2F-47CD-9BF2-F97575E15C57}" type="datetimeFigureOut">
               <a:rPr lang="zh-TW" altLang="en-US" smtClean="0"/>
-              <a:t>2018/12/31</a:t>
+              <a:t>2019/1/4</a:t>
             </a:fld>
             <a:endParaRPr lang="zh-TW" altLang="en-US"/>
           </a:p>
@@ -2966,264 +2971,128 @@
       </p:grpSpPr>
       <p:grpSp>
         <p:nvGrpSpPr>
-          <p:cNvPr id="43" name="群組 42"/>
+          <p:cNvPr id="5" name="群組 4"/>
           <p:cNvGrpSpPr/>
           <p:nvPr/>
         </p:nvGrpSpPr>
         <p:grpSpPr>
           <a:xfrm>
-            <a:off x="741350" y="1276639"/>
-            <a:ext cx="3901481" cy="4012565"/>
-            <a:chOff x="741350" y="1276639"/>
-            <a:chExt cx="3901481" cy="4012565"/>
+            <a:off x="1884049" y="1112520"/>
+            <a:ext cx="3901778" cy="3749268"/>
+            <a:chOff x="1884049" y="1112520"/>
+            <a:chExt cx="3901778" cy="3749268"/>
           </a:xfrm>
         </p:grpSpPr>
-        <p:grpSp>
-          <p:nvGrpSpPr>
-            <p:cNvPr id="13" name="群組 12"/>
-            <p:cNvGrpSpPr/>
-            <p:nvPr/>
-          </p:nvGrpSpPr>
-          <p:grpSpPr>
-            <a:xfrm>
-              <a:off x="743383" y="1276639"/>
-              <a:ext cx="3899448" cy="3068320"/>
-              <a:chOff x="2671533" y="977900"/>
-              <a:chExt cx="3899448" cy="3068320"/>
-            </a:xfrm>
-          </p:grpSpPr>
-          <p:grpSp>
-            <p:nvGrpSpPr>
-              <p:cNvPr id="11" name="群組 10"/>
-              <p:cNvGrpSpPr/>
-              <p:nvPr/>
-            </p:nvGrpSpPr>
-            <p:grpSpPr>
-              <a:xfrm>
-                <a:off x="2671533" y="977900"/>
-                <a:ext cx="3899448" cy="2042160"/>
-                <a:chOff x="2674073" y="3586480"/>
-                <a:chExt cx="3899448" cy="2042160"/>
-              </a:xfrm>
-            </p:grpSpPr>
-            <p:pic>
-              <p:nvPicPr>
-                <p:cNvPr id="7" name="圖片 6"/>
-                <p:cNvPicPr>
-                  <a:picLocks noChangeAspect="1"/>
-                </p:cNvPicPr>
-                <p:nvPr/>
-              </p:nvPicPr>
-              <p:blipFill rotWithShape="1">
-                <a:blip r:embed="rId2">
-                  <a:extLst>
-                    <a:ext uri="{BEBA8EAE-BF5A-486C-A8C5-ECC9F3942E4B}">
-                      <a14:imgProps xmlns:a14="http://schemas.microsoft.com/office/drawing/2010/main">
-                        <a14:imgLayer r:embed="rId3">
-                          <a14:imgEffect>
-                            <a14:backgroundRemoval t="0" b="15000" l="0" r="39750">
-                              <a14:foregroundMark x1="5000" y1="1607" x2="4000" y2="13750"/>
-                              <a14:foregroundMark x1="4000" y1="1786" x2="6000" y2="13214"/>
-                              <a14:foregroundMark x1="14000" y1="1607" x2="16500" y2="13571"/>
-                              <a14:foregroundMark x1="23750" y1="1429" x2="26375" y2="13571"/>
-                              <a14:foregroundMark x1="34125" y1="1429" x2="35625" y2="12500"/>
-                              <a14:foregroundMark x1="35875" y1="5000" x2="35875" y2="5000"/>
-                              <a14:foregroundMark x1="35250" y1="4643" x2="35875" y2="6250"/>
-                              <a14:backgroundMark x1="36250" y1="6071" x2="36250" y2="6071"/>
-                              <a14:backgroundMark x1="36125" y1="5893" x2="36125" y2="5893"/>
-                              <a14:backgroundMark x1="36000" y1="5893" x2="36000" y2="5893"/>
-                              <a14:backgroundMark x1="43375" y1="24107" x2="43375" y2="24107"/>
-                            </a14:backgroundRemoval>
-                          </a14:imgEffect>
-                        </a14:imgLayer>
-                      </a14:imgProps>
-                    </a:ext>
-                    <a:ext uri="{28A0092B-C50C-407E-A947-70E740481C1C}">
-                      <a14:useLocalDpi xmlns:a14="http://schemas.microsoft.com/office/drawing/2010/main" val="0"/>
-                    </a:ext>
-                  </a:extLst>
-                </a:blip>
-                <a:srcRect r="60219" b="85037"/>
-                <a:stretch/>
-              </p:blipFill>
-              <p:spPr>
-                <a:xfrm>
-                  <a:off x="2674073" y="3586480"/>
-                  <a:ext cx="3897415" cy="1026160"/>
-                </a:xfrm>
-                <a:prstGeom prst="rect">
-                  <a:avLst/>
-                </a:prstGeom>
-              </p:spPr>
-            </p:pic>
-            <p:pic>
-              <p:nvPicPr>
-                <p:cNvPr id="8" name="圖片 7"/>
-                <p:cNvPicPr>
-                  <a:picLocks noChangeAspect="1"/>
-                </p:cNvPicPr>
-                <p:nvPr/>
-              </p:nvPicPr>
-              <p:blipFill rotWithShape="1">
-                <a:blip r:embed="rId4">
-                  <a:extLst>
-                    <a:ext uri="{BEBA8EAE-BF5A-486C-A8C5-ECC9F3942E4B}">
-                      <a14:imgProps xmlns:a14="http://schemas.microsoft.com/office/drawing/2010/main">
-                        <a14:imgLayer r:embed="rId3">
-                          <a14:imgEffect>
-                            <a14:backgroundRemoval t="0" b="15000" l="40000" r="79875">
-                              <a14:foregroundMark x1="43375" y1="4643" x2="43375" y2="4643"/>
-                              <a14:foregroundMark x1="43125" y1="6071" x2="43125" y2="6071"/>
-                              <a14:foregroundMark x1="44125" y1="1786" x2="44125" y2="1786"/>
-                              <a14:foregroundMark x1="43750" y1="1607" x2="43750" y2="1607"/>
-                              <a14:foregroundMark x1="43000" y1="5536" x2="43000" y2="5536"/>
-                              <a14:foregroundMark x1="54250" y1="3393" x2="54125" y2="12679"/>
-                              <a14:foregroundMark x1="64500" y1="2321" x2="64625" y2="12500"/>
-                              <a14:foregroundMark x1="75000" y1="2500" x2="74875" y2="13214"/>
-                              <a14:foregroundMark x1="76250" y1="8929" x2="76250" y2="8929"/>
-                              <a14:backgroundMark x1="56750" y1="10000" x2="56750" y2="10000"/>
-                              <a14:backgroundMark x1="56500" y1="9821" x2="56500" y2="9821"/>
-                              <a14:backgroundMark x1="76500" y1="9643" x2="76500" y2="9643"/>
-                              <a14:backgroundMark x1="76500" y1="9464" x2="76500" y2="9464"/>
-                            </a14:backgroundRemoval>
-                          </a14:imgEffect>
-                        </a14:imgLayer>
-                      </a14:imgProps>
-                    </a:ext>
-                    <a:ext uri="{28A0092B-C50C-407E-A947-70E740481C1C}">
-                      <a14:useLocalDpi xmlns:a14="http://schemas.microsoft.com/office/drawing/2010/main" val="0"/>
-                    </a:ext>
-                  </a:extLst>
-                </a:blip>
-                <a:srcRect l="40044" r="20154" b="85185"/>
-                <a:stretch/>
-              </p:blipFill>
-              <p:spPr>
-                <a:xfrm>
-                  <a:off x="2674073" y="4612640"/>
-                  <a:ext cx="3899448" cy="1016000"/>
-                </a:xfrm>
-                <a:prstGeom prst="rect">
-                  <a:avLst/>
-                </a:prstGeom>
-              </p:spPr>
-            </p:pic>
-          </p:grpSp>
-          <p:pic>
-            <p:nvPicPr>
-              <p:cNvPr id="12" name="圖片 11"/>
-              <p:cNvPicPr>
-                <a:picLocks noChangeAspect="1"/>
-              </p:cNvPicPr>
-              <p:nvPr/>
-            </p:nvPicPr>
-            <p:blipFill rotWithShape="1">
-              <a:blip r:embed="rId5">
-                <a:extLst>
-                  <a:ext uri="{BEBA8EAE-BF5A-486C-A8C5-ECC9F3942E4B}">
-                    <a14:imgProps xmlns:a14="http://schemas.microsoft.com/office/drawing/2010/main">
-                      <a14:imgLayer r:embed="rId6">
-                        <a14:imgEffect>
-                          <a14:backgroundRemoval t="14643" b="29821" l="1250" r="40375">
-                            <a14:foregroundMark x1="4125" y1="15893" x2="6625" y2="27500"/>
-                            <a14:foregroundMark x1="5375" y1="16429" x2="5375" y2="16429"/>
-                            <a14:foregroundMark x1="3125" y1="18571" x2="3125" y2="18571"/>
-                            <a14:foregroundMark x1="3625" y1="17679" x2="3000" y2="22857"/>
-                            <a14:foregroundMark x1="15500" y1="16429" x2="13625" y2="27857"/>
-                            <a14:foregroundMark x1="18625" y1="21429" x2="17125" y2="21607"/>
-                            <a14:foregroundMark x1="15500" y1="23393" x2="15500" y2="23393"/>
-                            <a14:foregroundMark x1="16250" y1="18929" x2="16250" y2="18929"/>
-                            <a14:foregroundMark x1="16000" y1="19286" x2="16000" y2="19286"/>
-                            <a14:foregroundMark x1="16125" y1="18929" x2="16125" y2="18929"/>
-                            <a14:foregroundMark x1="16125" y1="18929" x2="16125" y2="18929"/>
-                            <a14:foregroundMark x1="16125" y1="19286" x2="16125" y2="19286"/>
-                            <a14:foregroundMark x1="16125" y1="19464" x2="16125" y2="19464"/>
-                            <a14:foregroundMark x1="16125" y1="19643" x2="16125" y2="19643"/>
-                            <a14:foregroundMark x1="16000" y1="19643" x2="16000" y2="19643"/>
-                            <a14:foregroundMark x1="25125" y1="16429" x2="23500" y2="27143"/>
-                            <a14:foregroundMark x1="27375" y1="21071" x2="27375" y2="21071"/>
-                            <a14:foregroundMark x1="26750" y1="21964" x2="26750" y2="21964"/>
-                            <a14:foregroundMark x1="26750" y1="22500" x2="26750" y2="22500"/>
-                            <a14:foregroundMark x1="25875" y1="19464" x2="25875" y2="19464"/>
-                            <a14:foregroundMark x1="25875" y1="19643" x2="25875" y2="19643"/>
-                            <a14:foregroundMark x1="25875" y1="19464" x2="25875" y2="19464"/>
-                            <a14:foregroundMark x1="25750" y1="19286" x2="25750" y2="19286"/>
-                            <a14:foregroundMark x1="25750" y1="19107" x2="25750" y2="19107"/>
-                            <a14:foregroundMark x1="25750" y1="19107" x2="25750" y2="19107"/>
-                            <a14:foregroundMark x1="25875" y1="19107" x2="25875" y2="19107"/>
-                            <a14:foregroundMark x1="25875" y1="19464" x2="25875" y2="19464"/>
-                            <a14:foregroundMark x1="25875" y1="19464" x2="25875" y2="19464"/>
-                            <a14:foregroundMark x1="25875" y1="19464" x2="25875" y2="19464"/>
-                            <a14:foregroundMark x1="25875" y1="19464" x2="25875" y2="19464"/>
-                            <a14:foregroundMark x1="25750" y1="24643" x2="26500" y2="27857"/>
-                            <a14:foregroundMark x1="35250" y1="17679" x2="33750" y2="27679"/>
-                            <a14:foregroundMark x1="38000" y1="21786" x2="38000" y2="21786"/>
-                            <a14:foregroundMark x1="36250" y1="16786" x2="34000" y2="19286"/>
-                            <a14:backgroundMark x1="13125" y1="25714" x2="13125" y2="25714"/>
-                            <a14:backgroundMark x1="13375" y1="24643" x2="13375" y2="24643"/>
-                          </a14:backgroundRemoval>
-                        </a14:imgEffect>
-                      </a14:imgLayer>
-                    </a14:imgProps>
-                  </a:ext>
-                  <a:ext uri="{28A0092B-C50C-407E-A947-70E740481C1C}">
-                    <a14:useLocalDpi xmlns:a14="http://schemas.microsoft.com/office/drawing/2010/main" val="0"/>
-                  </a:ext>
-                </a:extLst>
-              </a:blip>
-              <a:srcRect l="1045" t="14519" r="59755" b="70518"/>
-              <a:stretch/>
-            </p:blipFill>
-            <p:spPr>
-              <a:xfrm>
-                <a:off x="2671533" y="3020060"/>
-                <a:ext cx="3897415" cy="1026160"/>
-              </a:xfrm>
-              <a:prstGeom prst="rect">
-                <a:avLst/>
-              </a:prstGeom>
-            </p:spPr>
-          </p:pic>
-        </p:grpSp>
         <p:pic>
           <p:nvPicPr>
-            <p:cNvPr id="41" name="圖片 40"/>
+            <p:cNvPr id="3" name="圖片 2"/>
             <p:cNvPicPr>
               <a:picLocks noChangeAspect="1"/>
             </p:cNvPicPr>
             <p:nvPr/>
           </p:nvPicPr>
           <p:blipFill rotWithShape="1">
-            <a:blip r:embed="rId7">
+            <a:blip r:embed="rId2">
               <a:extLst>
-                <a:ext uri="{BEBA8EAE-BF5A-486C-A8C5-ECC9F3942E4B}">
-                  <a14:imgProps xmlns:a14="http://schemas.microsoft.com/office/drawing/2010/main">
-                    <a14:imgLayer r:embed="rId6">
-                      <a14:imgEffect>
-                        <a14:backgroundRemoval t="29286" b="43036" l="0" r="30625">
-                          <a14:foregroundMark x1="17500" y1="32143" x2="14500" y2="40893"/>
-                          <a14:foregroundMark x1="27500" y1="31964" x2="23875" y2="40714"/>
-                          <a14:foregroundMark x1="27000" y1="37143" x2="28250" y2="38571"/>
-                          <a14:foregroundMark x1="17875" y1="34643" x2="17750" y2="34643"/>
-                          <a14:foregroundMark x1="8250" y1="34643" x2="8250" y2="34643"/>
-                          <a14:foregroundMark x1="28375" y1="35000" x2="28375" y2="35000"/>
-                        </a14:backgroundRemoval>
-                      </a14:imgEffect>
-                    </a14:imgLayer>
-                  </a14:imgProps>
-                </a:ext>
                 <a:ext uri="{28A0092B-C50C-407E-A947-70E740481C1C}">
                   <a14:useLocalDpi xmlns:a14="http://schemas.microsoft.com/office/drawing/2010/main" val="0"/>
                 </a:ext>
               </a:extLst>
             </a:blip>
-            <a:srcRect l="-229" t="29512" r="69409" b="57015"/>
+            <a:srcRect t="1514" b="75537"/>
             <a:stretch/>
           </p:blipFill>
           <p:spPr>
             <a:xfrm>
-              <a:off x="741350" y="4365279"/>
-              <a:ext cx="3019425" cy="923925"/>
+              <a:off x="1884049" y="1112520"/>
+              <a:ext cx="3901778" cy="922020"/>
+            </a:xfrm>
+            <a:prstGeom prst="rect">
+              <a:avLst/>
+            </a:prstGeom>
+          </p:spPr>
+        </p:pic>
+        <p:pic>
+          <p:nvPicPr>
+            <p:cNvPr id="16" name="圖片 15"/>
+            <p:cNvPicPr>
+              <a:picLocks noChangeAspect="1"/>
+            </p:cNvPicPr>
+            <p:nvPr/>
+          </p:nvPicPr>
+          <p:blipFill rotWithShape="1">
+            <a:blip r:embed="rId2">
+              <a:extLst>
+                <a:ext uri="{28A0092B-C50C-407E-A947-70E740481C1C}">
+                  <a14:useLocalDpi xmlns:a14="http://schemas.microsoft.com/office/drawing/2010/main" val="0"/>
+                </a:ext>
+              </a:extLst>
+            </a:blip>
+            <a:srcRect t="78366"/>
+            <a:stretch/>
+          </p:blipFill>
+          <p:spPr>
+            <a:xfrm>
+              <a:off x="1884049" y="3992645"/>
+              <a:ext cx="3901778" cy="869143"/>
+            </a:xfrm>
+            <a:prstGeom prst="rect">
+              <a:avLst/>
+            </a:prstGeom>
+          </p:spPr>
+        </p:pic>
+        <p:pic>
+          <p:nvPicPr>
+            <p:cNvPr id="18" name="圖片 17"/>
+            <p:cNvPicPr>
+              <a:picLocks noChangeAspect="1"/>
+            </p:cNvPicPr>
+            <p:nvPr/>
+          </p:nvPicPr>
+          <p:blipFill rotWithShape="1">
+            <a:blip r:embed="rId2">
+              <a:extLst>
+                <a:ext uri="{28A0092B-C50C-407E-A947-70E740481C1C}">
+                  <a14:useLocalDpi xmlns:a14="http://schemas.microsoft.com/office/drawing/2010/main" val="0"/>
+                </a:ext>
+              </a:extLst>
+            </a:blip>
+            <a:srcRect t="27027" b="49834"/>
+            <a:stretch/>
+          </p:blipFill>
+          <p:spPr>
+            <a:xfrm>
+              <a:off x="1884049" y="2053012"/>
+              <a:ext cx="3901778" cy="929640"/>
+            </a:xfrm>
+            <a:prstGeom prst="rect">
+              <a:avLst/>
+            </a:prstGeom>
+          </p:spPr>
+        </p:pic>
+        <p:pic>
+          <p:nvPicPr>
+            <p:cNvPr id="19" name="圖片 18"/>
+            <p:cNvPicPr>
+              <a:picLocks noChangeAspect="1"/>
+            </p:cNvPicPr>
+            <p:nvPr/>
+          </p:nvPicPr>
+          <p:blipFill rotWithShape="1">
+            <a:blip r:embed="rId2">
+              <a:extLst>
+                <a:ext uri="{28A0092B-C50C-407E-A947-70E740481C1C}">
+                  <a14:useLocalDpi xmlns:a14="http://schemas.microsoft.com/office/drawing/2010/main" val="0"/>
+                </a:ext>
+              </a:extLst>
+            </a:blip>
+            <a:srcRect t="52345" b="25085"/>
+            <a:stretch/>
+          </p:blipFill>
+          <p:spPr>
+            <a:xfrm>
+              <a:off x="1884049" y="3011976"/>
+              <a:ext cx="3901778" cy="906781"/>
             </a:xfrm>
             <a:prstGeom prst="rect">
               <a:avLst/>
